--- a/Documentação/Mapa de Empatia/Mapa de Empatia.pptx
+++ b/Documentação/Mapa de Empatia/Mapa de Empatia.pptx
@@ -115,7 +115,7 @@
 <file path=ppt/revisionInfo.xml><?xml version="1.0" encoding="utf-8"?>
 <p1510:revInfo xmlns:a="http://schemas.openxmlformats.org/drawingml/2006/main" xmlns:r="http://schemas.openxmlformats.org/officeDocument/2006/relationships" xmlns:p1510="http://schemas.microsoft.com/office/powerpoint/2015/10/main">
   <p1510:revLst>
-    <p1510:client id="{3924A158-005E-4B0E-932C-34C562BF42AC}" v="3" dt="2021-08-24T19:33:43.588"/>
+    <p1510:client id="{3924A158-005E-4B0E-932C-34C562BF42AC}" v="9" dt="2021-08-31T19:41:32.496"/>
   </p1510:revLst>
 </p1510:revInfo>
 </file>
@@ -125,18 +125,18 @@
   <pc:docChgLst>
     <pc:chgData name="Vinicius Cano" userId="e988c080-1d50-4980-86fe-45a1167ad471" providerId="ADAL" clId="{3924A158-005E-4B0E-932C-34C562BF42AC}"/>
     <pc:docChg chg="undo custSel addSld delSld modSld">
-      <pc:chgData name="Vinicius Cano" userId="e988c080-1d50-4980-86fe-45a1167ad471" providerId="ADAL" clId="{3924A158-005E-4B0E-932C-34C562BF42AC}" dt="2021-08-24T21:06:34.524" v="7" actId="47"/>
+      <pc:chgData name="Vinicius Cano" userId="e988c080-1d50-4980-86fe-45a1167ad471" providerId="ADAL" clId="{3924A158-005E-4B0E-932C-34C562BF42AC}" dt="2021-09-01T20:53:26.911" v="1142" actId="20577"/>
       <pc:docMkLst>
         <pc:docMk/>
       </pc:docMkLst>
-      <pc:sldChg chg="modSp mod">
-        <pc:chgData name="Vinicius Cano" userId="e988c080-1d50-4980-86fe-45a1167ad471" providerId="ADAL" clId="{3924A158-005E-4B0E-932C-34C562BF42AC}" dt="2021-08-23T20:24:55.784" v="0" actId="1076"/>
+      <pc:sldChg chg="addSp delSp modSp mod">
+        <pc:chgData name="Vinicius Cano" userId="e988c080-1d50-4980-86fe-45a1167ad471" providerId="ADAL" clId="{3924A158-005E-4B0E-932C-34C562BF42AC}" dt="2021-09-01T20:53:26.911" v="1142" actId="20577"/>
         <pc:sldMkLst>
           <pc:docMk/>
           <pc:sldMk cId="3552791640" sldId="256"/>
         </pc:sldMkLst>
         <pc:spChg chg="mod">
-          <ac:chgData name="Vinicius Cano" userId="e988c080-1d50-4980-86fe-45a1167ad471" providerId="ADAL" clId="{3924A158-005E-4B0E-932C-34C562BF42AC}" dt="2021-08-23T20:24:55.784" v="0" actId="1076"/>
+          <ac:chgData name="Vinicius Cano" userId="e988c080-1d50-4980-86fe-45a1167ad471" providerId="ADAL" clId="{3924A158-005E-4B0E-932C-34C562BF42AC}" dt="2021-08-31T19:44:37.021" v="1092" actId="1076"/>
           <ac:spMkLst>
             <pc:docMk/>
             <pc:sldMk cId="3552791640" sldId="256"/>
@@ -144,7 +144,7 @@
           </ac:spMkLst>
         </pc:spChg>
         <pc:spChg chg="mod">
-          <ac:chgData name="Vinicius Cano" userId="e988c080-1d50-4980-86fe-45a1167ad471" providerId="ADAL" clId="{3924A158-005E-4B0E-932C-34C562BF42AC}" dt="2021-08-23T20:24:55.784" v="0" actId="1076"/>
+          <ac:chgData name="Vinicius Cano" userId="e988c080-1d50-4980-86fe-45a1167ad471" providerId="ADAL" clId="{3924A158-005E-4B0E-932C-34C562BF42AC}" dt="2021-08-31T19:44:42.034" v="1093" actId="14100"/>
           <ac:spMkLst>
             <pc:docMk/>
             <pc:sldMk cId="3552791640" sldId="256"/>
@@ -152,15 +152,15 @@
           </ac:spMkLst>
         </pc:spChg>
         <pc:spChg chg="mod">
-          <ac:chgData name="Vinicius Cano" userId="e988c080-1d50-4980-86fe-45a1167ad471" providerId="ADAL" clId="{3924A158-005E-4B0E-932C-34C562BF42AC}" dt="2021-08-23T20:24:55.784" v="0" actId="1076"/>
+          <ac:chgData name="Vinicius Cano" userId="e988c080-1d50-4980-86fe-45a1167ad471" providerId="ADAL" clId="{3924A158-005E-4B0E-932C-34C562BF42AC}" dt="2021-08-31T19:42:50.967" v="1071" actId="14100"/>
           <ac:spMkLst>
             <pc:docMk/>
             <pc:sldMk cId="3552791640" sldId="256"/>
             <ac:spMk id="8" creationId="{D55CB28A-4511-4D48-8BED-5448B0F3DA11}"/>
           </ac:spMkLst>
         </pc:spChg>
-        <pc:spChg chg="mod">
-          <ac:chgData name="Vinicius Cano" userId="e988c080-1d50-4980-86fe-45a1167ad471" providerId="ADAL" clId="{3924A158-005E-4B0E-932C-34C562BF42AC}" dt="2021-08-23T20:24:55.784" v="0" actId="1076"/>
+        <pc:spChg chg="del mod">
+          <ac:chgData name="Vinicius Cano" userId="e988c080-1d50-4980-86fe-45a1167ad471" providerId="ADAL" clId="{3924A158-005E-4B0E-932C-34C562BF42AC}" dt="2021-08-31T17:07:44.125" v="601" actId="478"/>
           <ac:spMkLst>
             <pc:docMk/>
             <pc:sldMk cId="3552791640" sldId="256"/>
@@ -168,15 +168,15 @@
           </ac:spMkLst>
         </pc:spChg>
         <pc:spChg chg="mod">
-          <ac:chgData name="Vinicius Cano" userId="e988c080-1d50-4980-86fe-45a1167ad471" providerId="ADAL" clId="{3924A158-005E-4B0E-932C-34C562BF42AC}" dt="2021-08-23T20:24:55.784" v="0" actId="1076"/>
+          <ac:chgData name="Vinicius Cano" userId="e988c080-1d50-4980-86fe-45a1167ad471" providerId="ADAL" clId="{3924A158-005E-4B0E-932C-34C562BF42AC}" dt="2021-08-31T19:42:43.521" v="1070" actId="1076"/>
           <ac:spMkLst>
             <pc:docMk/>
             <pc:sldMk cId="3552791640" sldId="256"/>
             <ac:spMk id="10" creationId="{8080F81F-5204-4E23-BAF9-1B970784B718}"/>
           </ac:spMkLst>
         </pc:spChg>
-        <pc:spChg chg="mod">
-          <ac:chgData name="Vinicius Cano" userId="e988c080-1d50-4980-86fe-45a1167ad471" providerId="ADAL" clId="{3924A158-005E-4B0E-932C-34C562BF42AC}" dt="2021-08-23T20:24:55.784" v="0" actId="1076"/>
+        <pc:spChg chg="del mod">
+          <ac:chgData name="Vinicius Cano" userId="e988c080-1d50-4980-86fe-45a1167ad471" providerId="ADAL" clId="{3924A158-005E-4B0E-932C-34C562BF42AC}" dt="2021-08-31T17:07:02.497" v="581" actId="478"/>
           <ac:spMkLst>
             <pc:docMk/>
             <pc:sldMk cId="3552791640" sldId="256"/>
@@ -184,7 +184,7 @@
           </ac:spMkLst>
         </pc:spChg>
         <pc:spChg chg="mod">
-          <ac:chgData name="Vinicius Cano" userId="e988c080-1d50-4980-86fe-45a1167ad471" providerId="ADAL" clId="{3924A158-005E-4B0E-932C-34C562BF42AC}" dt="2021-08-23T20:24:55.784" v="0" actId="1076"/>
+          <ac:chgData name="Vinicius Cano" userId="e988c080-1d50-4980-86fe-45a1167ad471" providerId="ADAL" clId="{3924A158-005E-4B0E-932C-34C562BF42AC}" dt="2021-08-31T19:12:35.680" v="634" actId="1076"/>
           <ac:spMkLst>
             <pc:docMk/>
             <pc:sldMk cId="3552791640" sldId="256"/>
@@ -192,27 +192,59 @@
           </ac:spMkLst>
         </pc:spChg>
         <pc:spChg chg="mod">
-          <ac:chgData name="Vinicius Cano" userId="e988c080-1d50-4980-86fe-45a1167ad471" providerId="ADAL" clId="{3924A158-005E-4B0E-932C-34C562BF42AC}" dt="2021-08-23T20:24:55.784" v="0" actId="1076"/>
+          <ac:chgData name="Vinicius Cano" userId="e988c080-1d50-4980-86fe-45a1167ad471" providerId="ADAL" clId="{3924A158-005E-4B0E-932C-34C562BF42AC}" dt="2021-09-01T20:53:08.593" v="1117" actId="20577"/>
           <ac:spMkLst>
             <pc:docMk/>
             <pc:sldMk cId="3552791640" sldId="256"/>
             <ac:spMk id="13" creationId="{3D297504-01FC-45A5-89ED-340DA812BB72}"/>
           </ac:spMkLst>
         </pc:spChg>
+        <pc:spChg chg="add del">
+          <ac:chgData name="Vinicius Cano" userId="e988c080-1d50-4980-86fe-45a1167ad471" providerId="ADAL" clId="{3924A158-005E-4B0E-932C-34C562BF42AC}" dt="2021-08-30T19:27:35.727" v="9" actId="22"/>
+          <ac:spMkLst>
+            <pc:docMk/>
+            <pc:sldMk cId="3552791640" sldId="256"/>
+            <ac:spMk id="14" creationId="{736B33E4-E740-498C-A738-AA86532AE531}"/>
+          </ac:spMkLst>
+        </pc:spChg>
+        <pc:spChg chg="add mod">
+          <ac:chgData name="Vinicius Cano" userId="e988c080-1d50-4980-86fe-45a1167ad471" providerId="ADAL" clId="{3924A158-005E-4B0E-932C-34C562BF42AC}" dt="2021-08-31T19:13:02.591" v="720" actId="14100"/>
+          <ac:spMkLst>
+            <pc:docMk/>
+            <pc:sldMk cId="3552791640" sldId="256"/>
+            <ac:spMk id="14" creationId="{8F73A264-4CA4-44AE-9267-4DA7E2BDEB3D}"/>
+          </ac:spMkLst>
+        </pc:spChg>
         <pc:spChg chg="mod">
-          <ac:chgData name="Vinicius Cano" userId="e988c080-1d50-4980-86fe-45a1167ad471" providerId="ADAL" clId="{3924A158-005E-4B0E-932C-34C562BF42AC}" dt="2021-08-23T20:24:55.784" v="0" actId="1076"/>
+          <ac:chgData name="Vinicius Cano" userId="e988c080-1d50-4980-86fe-45a1167ad471" providerId="ADAL" clId="{3924A158-005E-4B0E-932C-34C562BF42AC}" dt="2021-09-01T20:53:26.911" v="1142" actId="20577"/>
           <ac:spMkLst>
             <pc:docMk/>
             <pc:sldMk cId="3552791640" sldId="256"/>
             <ac:spMk id="15" creationId="{00A8FDA6-0669-4DDB-856B-407D23B9DB4F}"/>
           </ac:spMkLst>
         </pc:spChg>
-        <pc:spChg chg="mod">
-          <ac:chgData name="Vinicius Cano" userId="e988c080-1d50-4980-86fe-45a1167ad471" providerId="ADAL" clId="{3924A158-005E-4B0E-932C-34C562BF42AC}" dt="2021-08-23T20:24:55.784" v="0" actId="1076"/>
+        <pc:spChg chg="del mod">
+          <ac:chgData name="Vinicius Cano" userId="e988c080-1d50-4980-86fe-45a1167ad471" providerId="ADAL" clId="{3924A158-005E-4B0E-932C-34C562BF42AC}" dt="2021-08-31T17:00:11.691" v="72" actId="478"/>
           <ac:spMkLst>
             <pc:docMk/>
             <pc:sldMk cId="3552791640" sldId="256"/>
             <ac:spMk id="16" creationId="{A29F37E7-2A5A-4DF9-9F86-D40C53907D00}"/>
+          </ac:spMkLst>
+        </pc:spChg>
+        <pc:spChg chg="add mod">
+          <ac:chgData name="Vinicius Cano" userId="e988c080-1d50-4980-86fe-45a1167ad471" providerId="ADAL" clId="{3924A158-005E-4B0E-932C-34C562BF42AC}" dt="2021-08-31T19:16:38.537" v="857" actId="20577"/>
+          <ac:spMkLst>
+            <pc:docMk/>
+            <pc:sldMk cId="3552791640" sldId="256"/>
+            <ac:spMk id="17" creationId="{662D26DE-61FA-4CFE-BED5-A5BA73108CBB}"/>
+          </ac:spMkLst>
+        </pc:spChg>
+        <pc:spChg chg="add mod">
+          <ac:chgData name="Vinicius Cano" userId="e988c080-1d50-4980-86fe-45a1167ad471" providerId="ADAL" clId="{3924A158-005E-4B0E-932C-34C562BF42AC}" dt="2021-08-31T19:42:25.809" v="1065" actId="1076"/>
+          <ac:spMkLst>
+            <pc:docMk/>
+            <pc:sldMk cId="3552791640" sldId="256"/>
+            <ac:spMk id="18" creationId="{DBC2E4D6-24CE-4CD7-9C38-3EEEE18B1115}"/>
           </ac:spMkLst>
         </pc:spChg>
         <pc:picChg chg="mod">
@@ -327,6 +359,20 @@
           </ac:picMkLst>
         </pc:picChg>
       </pc:sldChg>
+      <pc:sldChg chg="add del">
+        <pc:chgData name="Vinicius Cano" userId="e988c080-1d50-4980-86fe-45a1167ad471" providerId="ADAL" clId="{3924A158-005E-4B0E-932C-34C562BF42AC}" dt="2021-08-31T13:52:52.501" v="13" actId="47"/>
+        <pc:sldMkLst>
+          <pc:docMk/>
+          <pc:sldMk cId="1333715773" sldId="257"/>
+        </pc:sldMkLst>
+      </pc:sldChg>
+      <pc:sldChg chg="add del">
+        <pc:chgData name="Vinicius Cano" userId="e988c080-1d50-4980-86fe-45a1167ad471" providerId="ADAL" clId="{3924A158-005E-4B0E-932C-34C562BF42AC}" dt="2021-08-30T19:30:27.813" v="11"/>
+        <pc:sldMkLst>
+          <pc:docMk/>
+          <pc:sldMk cId="3747384684" sldId="257"/>
+        </pc:sldMkLst>
+      </pc:sldChg>
     </pc:docChg>
   </pc:docChgLst>
 </pc:chgInfo>
@@ -479,7 +525,7 @@
           <a:p>
             <a:fld id="{0BAF0C6A-FF00-4A5D-9105-A640A0124CF7}" type="datetimeFigureOut">
               <a:rPr lang="pt-BR" smtClean="0"/>
-              <a:t>24/08/2021</a:t>
+              <a:t>01/09/2021</a:t>
             </a:fld>
             <a:endParaRPr lang="pt-BR"/>
           </a:p>
@@ -677,7 +723,7 @@
           <a:p>
             <a:fld id="{0BAF0C6A-FF00-4A5D-9105-A640A0124CF7}" type="datetimeFigureOut">
               <a:rPr lang="pt-BR" smtClean="0"/>
-              <a:t>24/08/2021</a:t>
+              <a:t>01/09/2021</a:t>
             </a:fld>
             <a:endParaRPr lang="pt-BR"/>
           </a:p>
@@ -885,7 +931,7 @@
           <a:p>
             <a:fld id="{0BAF0C6A-FF00-4A5D-9105-A640A0124CF7}" type="datetimeFigureOut">
               <a:rPr lang="pt-BR" smtClean="0"/>
-              <a:t>24/08/2021</a:t>
+              <a:t>01/09/2021</a:t>
             </a:fld>
             <a:endParaRPr lang="pt-BR"/>
           </a:p>
@@ -1083,7 +1129,7 @@
           <a:p>
             <a:fld id="{0BAF0C6A-FF00-4A5D-9105-A640A0124CF7}" type="datetimeFigureOut">
               <a:rPr lang="pt-BR" smtClean="0"/>
-              <a:t>24/08/2021</a:t>
+              <a:t>01/09/2021</a:t>
             </a:fld>
             <a:endParaRPr lang="pt-BR"/>
           </a:p>
@@ -1358,7 +1404,7 @@
           <a:p>
             <a:fld id="{0BAF0C6A-FF00-4A5D-9105-A640A0124CF7}" type="datetimeFigureOut">
               <a:rPr lang="pt-BR" smtClean="0"/>
-              <a:t>24/08/2021</a:t>
+              <a:t>01/09/2021</a:t>
             </a:fld>
             <a:endParaRPr lang="pt-BR"/>
           </a:p>
@@ -1623,7 +1669,7 @@
           <a:p>
             <a:fld id="{0BAF0C6A-FF00-4A5D-9105-A640A0124CF7}" type="datetimeFigureOut">
               <a:rPr lang="pt-BR" smtClean="0"/>
-              <a:t>24/08/2021</a:t>
+              <a:t>01/09/2021</a:t>
             </a:fld>
             <a:endParaRPr lang="pt-BR"/>
           </a:p>
@@ -2035,7 +2081,7 @@
           <a:p>
             <a:fld id="{0BAF0C6A-FF00-4A5D-9105-A640A0124CF7}" type="datetimeFigureOut">
               <a:rPr lang="pt-BR" smtClean="0"/>
-              <a:t>24/08/2021</a:t>
+              <a:t>01/09/2021</a:t>
             </a:fld>
             <a:endParaRPr lang="pt-BR"/>
           </a:p>
@@ -2176,7 +2222,7 @@
           <a:p>
             <a:fld id="{0BAF0C6A-FF00-4A5D-9105-A640A0124CF7}" type="datetimeFigureOut">
               <a:rPr lang="pt-BR" smtClean="0"/>
-              <a:t>24/08/2021</a:t>
+              <a:t>01/09/2021</a:t>
             </a:fld>
             <a:endParaRPr lang="pt-BR"/>
           </a:p>
@@ -2289,7 +2335,7 @@
           <a:p>
             <a:fld id="{0BAF0C6A-FF00-4A5D-9105-A640A0124CF7}" type="datetimeFigureOut">
               <a:rPr lang="pt-BR" smtClean="0"/>
-              <a:t>24/08/2021</a:t>
+              <a:t>01/09/2021</a:t>
             </a:fld>
             <a:endParaRPr lang="pt-BR"/>
           </a:p>
@@ -2600,7 +2646,7 @@
           <a:p>
             <a:fld id="{0BAF0C6A-FF00-4A5D-9105-A640A0124CF7}" type="datetimeFigureOut">
               <a:rPr lang="pt-BR" smtClean="0"/>
-              <a:t>24/08/2021</a:t>
+              <a:t>01/09/2021</a:t>
             </a:fld>
             <a:endParaRPr lang="pt-BR"/>
           </a:p>
@@ -2888,7 +2934,7 @@
           <a:p>
             <a:fld id="{0BAF0C6A-FF00-4A5D-9105-A640A0124CF7}" type="datetimeFigureOut">
               <a:rPr lang="pt-BR" smtClean="0"/>
-              <a:t>24/08/2021</a:t>
+              <a:t>01/09/2021</a:t>
             </a:fld>
             <a:endParaRPr lang="pt-BR"/>
           </a:p>
@@ -3129,7 +3175,7 @@
           <a:p>
             <a:fld id="{0BAF0C6A-FF00-4A5D-9105-A640A0124CF7}" type="datetimeFigureOut">
               <a:rPr lang="pt-BR" smtClean="0"/>
-              <a:t>24/08/2021</a:t>
+              <a:t>01/09/2021</a:t>
             </a:fld>
             <a:endParaRPr lang="pt-BR"/>
           </a:p>
@@ -3596,8 +3642,8 @@
         </p:nvSpPr>
         <p:spPr>
           <a:xfrm>
-            <a:off x="2193212" y="96434"/>
-            <a:ext cx="1736035" cy="369332"/>
+            <a:off x="2080923" y="113007"/>
+            <a:ext cx="1082551" cy="369332"/>
           </a:xfrm>
           <a:prstGeom prst="rect">
             <a:avLst/>
@@ -3612,7 +3658,7 @@
           <a:p>
             <a:r>
               <a:rPr lang="pt-BR" dirty="0"/>
-              <a:t>Renato</a:t>
+              <a:t>Fernando</a:t>
             </a:r>
           </a:p>
         </p:txBody>
@@ -3632,7 +3678,7 @@
         <p:spPr>
           <a:xfrm>
             <a:off x="4545472" y="113007"/>
-            <a:ext cx="1736035" cy="369332"/>
+            <a:ext cx="729913" cy="369332"/>
           </a:xfrm>
           <a:prstGeom prst="rect">
             <a:avLst/>
@@ -3647,7 +3693,7 @@
           <a:p>
             <a:r>
               <a:rPr lang="pt-BR" dirty="0"/>
-              <a:t>35-40</a:t>
+              <a:t>30-40</a:t>
             </a:r>
           </a:p>
         </p:txBody>
@@ -3666,7 +3712,274 @@
         </p:nvSpPr>
         <p:spPr>
           <a:xfrm>
-            <a:off x="3347754" y="4292667"/>
+            <a:off x="6145513" y="4156402"/>
+            <a:ext cx="2353453" cy="830997"/>
+          </a:xfrm>
+          <a:prstGeom prst="rect">
+            <a:avLst/>
+          </a:prstGeom>
+          <a:noFill/>
+        </p:spPr>
+        <p:txBody>
+          <a:bodyPr wrap="square" rtlCol="0">
+            <a:spAutoFit/>
+          </a:bodyPr>
+          <a:lstStyle/>
+          <a:p>
+            <a:pPr algn="ctr"/>
+            <a:r>
+              <a:rPr lang="pt-BR" sz="1600" dirty="0"/>
+              <a:t>Utiliza as ferramentas que estão ao seu alcance para poder se organizar</a:t>
+            </a:r>
+          </a:p>
+        </p:txBody>
+      </p:sp>
+      <p:sp>
+        <p:nvSpPr>
+          <p:cNvPr id="10" name="CaixaDeTexto 9">
+            <a:extLst>
+              <a:ext uri="{FF2B5EF4-FFF2-40B4-BE49-F238E27FC236}">
+                <a16:creationId xmlns:a16="http://schemas.microsoft.com/office/drawing/2014/main" id="{8080F81F-5204-4E23-BAF9-1B970784B718}"/>
+              </a:ext>
+            </a:extLst>
+          </p:cNvPr>
+          <p:cNvSpPr txBox="1"/>
+          <p:nvPr/>
+        </p:nvSpPr>
+        <p:spPr>
+          <a:xfrm>
+            <a:off x="8136082" y="2619485"/>
+            <a:ext cx="2274011" cy="584775"/>
+          </a:xfrm>
+          <a:prstGeom prst="rect">
+            <a:avLst/>
+          </a:prstGeom>
+          <a:noFill/>
+        </p:spPr>
+        <p:txBody>
+          <a:bodyPr wrap="square" rtlCol="0">
+            <a:spAutoFit/>
+          </a:bodyPr>
+          <a:lstStyle/>
+          <a:p>
+            <a:pPr algn="ctr"/>
+            <a:r>
+              <a:rPr lang="pt-BR" sz="1600" dirty="0"/>
+              <a:t>Agilidade e qualidade no atendimento aos clientes</a:t>
+            </a:r>
+          </a:p>
+        </p:txBody>
+      </p:sp>
+      <p:sp>
+        <p:nvSpPr>
+          <p:cNvPr id="12" name="CaixaDeTexto 11">
+            <a:extLst>
+              <a:ext uri="{FF2B5EF4-FFF2-40B4-BE49-F238E27FC236}">
+                <a16:creationId xmlns:a16="http://schemas.microsoft.com/office/drawing/2014/main" id="{B318CD13-6D40-4BAC-861D-480B0F5A5E19}"/>
+              </a:ext>
+            </a:extLst>
+          </p:cNvPr>
+          <p:cNvSpPr txBox="1"/>
+          <p:nvPr/>
+        </p:nvSpPr>
+        <p:spPr>
+          <a:xfrm>
+            <a:off x="3500092" y="836348"/>
+            <a:ext cx="2090760" cy="830997"/>
+          </a:xfrm>
+          <a:prstGeom prst="rect">
+            <a:avLst/>
+          </a:prstGeom>
+          <a:noFill/>
+        </p:spPr>
+        <p:txBody>
+          <a:bodyPr wrap="square" rtlCol="0">
+            <a:spAutoFit/>
+          </a:bodyPr>
+          <a:lstStyle/>
+          <a:p>
+            <a:pPr algn="ctr"/>
+            <a:r>
+              <a:rPr lang="pt-BR" sz="1600" dirty="0"/>
+              <a:t>Certos clientes confiam e outros não em seus atendimentos</a:t>
+            </a:r>
+          </a:p>
+        </p:txBody>
+      </p:sp>
+      <p:sp>
+        <p:nvSpPr>
+          <p:cNvPr id="13" name="CaixaDeTexto 12">
+            <a:extLst>
+              <a:ext uri="{FF2B5EF4-FFF2-40B4-BE49-F238E27FC236}">
+                <a16:creationId xmlns:a16="http://schemas.microsoft.com/office/drawing/2014/main" id="{3D297504-01FC-45A5-89ED-340DA812BB72}"/>
+              </a:ext>
+            </a:extLst>
+          </p:cNvPr>
+          <p:cNvSpPr txBox="1"/>
+          <p:nvPr/>
+        </p:nvSpPr>
+        <p:spPr>
+          <a:xfrm>
+            <a:off x="5943527" y="5659898"/>
+            <a:ext cx="4678041" cy="830997"/>
+          </a:xfrm>
+          <a:prstGeom prst="rect">
+            <a:avLst/>
+          </a:prstGeom>
+          <a:noFill/>
+        </p:spPr>
+        <p:txBody>
+          <a:bodyPr wrap="square" rtlCol="0">
+            <a:spAutoFit/>
+          </a:bodyPr>
+          <a:lstStyle/>
+          <a:p>
+            <a:pPr marL="285750" indent="-285750">
+              <a:buFont typeface="Arial" panose="020B0604020202020204" pitchFamily="34" charset="0"/>
+              <a:buChar char="•"/>
+            </a:pPr>
+            <a:r>
+              <a:rPr lang="pt-BR" sz="1600" dirty="0"/>
+              <a:t>Controle eficiente da oficina</a:t>
+            </a:r>
+          </a:p>
+          <a:p>
+            <a:pPr marL="285750" indent="-285750">
+              <a:buFont typeface="Arial" panose="020B0604020202020204" pitchFamily="34" charset="0"/>
+              <a:buChar char="•"/>
+            </a:pPr>
+            <a:r>
+              <a:rPr lang="pt-BR" sz="1600" dirty="0"/>
+              <a:t>Maior divulgação para atrair novos clientes</a:t>
+            </a:r>
+          </a:p>
+          <a:p>
+            <a:pPr marL="285750" indent="-285750">
+              <a:buFont typeface="Arial" panose="020B0604020202020204" pitchFamily="34" charset="0"/>
+              <a:buChar char="•"/>
+            </a:pPr>
+            <a:r>
+              <a:rPr lang="pt-BR" sz="1600" dirty="0"/>
+              <a:t>Ter melhor controle financeiro</a:t>
+            </a:r>
+          </a:p>
+        </p:txBody>
+      </p:sp>
+      <p:sp>
+        <p:nvSpPr>
+          <p:cNvPr id="15" name="CaixaDeTexto 14">
+            <a:extLst>
+              <a:ext uri="{FF2B5EF4-FFF2-40B4-BE49-F238E27FC236}">
+                <a16:creationId xmlns:a16="http://schemas.microsoft.com/office/drawing/2014/main" id="{00A8FDA6-0669-4DDB-856B-407D23B9DB4F}"/>
+              </a:ext>
+            </a:extLst>
+          </p:cNvPr>
+          <p:cNvSpPr txBox="1"/>
+          <p:nvPr/>
+        </p:nvSpPr>
+        <p:spPr>
+          <a:xfrm>
+            <a:off x="965756" y="5659898"/>
+            <a:ext cx="4977771" cy="830997"/>
+          </a:xfrm>
+          <a:prstGeom prst="rect">
+            <a:avLst/>
+          </a:prstGeom>
+          <a:noFill/>
+        </p:spPr>
+        <p:txBody>
+          <a:bodyPr wrap="square" rtlCol="0">
+            <a:spAutoFit/>
+          </a:bodyPr>
+          <a:lstStyle/>
+          <a:p>
+            <a:pPr marL="285750" indent="-285750">
+              <a:buFont typeface="Arial" panose="020B0604020202020204" pitchFamily="34" charset="0"/>
+              <a:buChar char="•"/>
+            </a:pPr>
+            <a:r>
+              <a:rPr lang="pt-BR" sz="1600" dirty="0"/>
+              <a:t>Falta de uma melhor gestão operacional</a:t>
+            </a:r>
+          </a:p>
+          <a:p>
+            <a:pPr marL="285750" indent="-285750">
+              <a:buFont typeface="Arial" panose="020B0604020202020204" pitchFamily="34" charset="0"/>
+              <a:buChar char="•"/>
+            </a:pPr>
+            <a:r>
+              <a:rPr lang="pt-BR" sz="1600" dirty="0"/>
+              <a:t>Pouca divulgação do negócio</a:t>
+            </a:r>
+          </a:p>
+          <a:p>
+            <a:pPr marL="285750" indent="-285750">
+              <a:buFont typeface="Arial" panose="020B0604020202020204" pitchFamily="34" charset="0"/>
+              <a:buChar char="•"/>
+            </a:pPr>
+            <a:r>
+              <a:rPr lang="pt-BR" sz="1600" dirty="0"/>
+              <a:t>Não tem controle financeiro </a:t>
+            </a:r>
+            <a:r>
+              <a:rPr lang="pt-BR" sz="1600"/>
+              <a:t>da oficina.</a:t>
+            </a:r>
+            <a:endParaRPr lang="pt-BR" sz="1600" dirty="0"/>
+          </a:p>
+        </p:txBody>
+      </p:sp>
+      <p:sp>
+        <p:nvSpPr>
+          <p:cNvPr id="14" name="CaixaDeTexto 13">
+            <a:extLst>
+              <a:ext uri="{FF2B5EF4-FFF2-40B4-BE49-F238E27FC236}">
+                <a16:creationId xmlns:a16="http://schemas.microsoft.com/office/drawing/2014/main" id="{8F73A264-4CA4-44AE-9267-4DA7E2BDEB3D}"/>
+              </a:ext>
+            </a:extLst>
+          </p:cNvPr>
+          <p:cNvSpPr txBox="1"/>
+          <p:nvPr/>
+        </p:nvSpPr>
+        <p:spPr>
+          <a:xfrm>
+            <a:off x="5782628" y="807463"/>
+            <a:ext cx="2353454" cy="830997"/>
+          </a:xfrm>
+          <a:prstGeom prst="rect">
+            <a:avLst/>
+          </a:prstGeom>
+          <a:noFill/>
+        </p:spPr>
+        <p:txBody>
+          <a:bodyPr wrap="square" rtlCol="0">
+            <a:spAutoFit/>
+          </a:bodyPr>
+          <a:lstStyle/>
+          <a:p>
+            <a:pPr algn="ctr"/>
+            <a:r>
+              <a:rPr lang="pt-BR" sz="1600" dirty="0"/>
+              <a:t>Sente que seu trabalho não está sendo executado como gostaria</a:t>
+            </a:r>
+          </a:p>
+        </p:txBody>
+      </p:sp>
+      <p:sp>
+        <p:nvSpPr>
+          <p:cNvPr id="17" name="CaixaDeTexto 16">
+            <a:extLst>
+              <a:ext uri="{FF2B5EF4-FFF2-40B4-BE49-F238E27FC236}">
+                <a16:creationId xmlns:a16="http://schemas.microsoft.com/office/drawing/2014/main" id="{662D26DE-61FA-4CFE-BED5-A5BA73108CBB}"/>
+              </a:ext>
+            </a:extLst>
+          </p:cNvPr>
+          <p:cNvSpPr txBox="1"/>
+          <p:nvPr/>
+        </p:nvSpPr>
+        <p:spPr>
+          <a:xfrm>
+            <a:off x="1371578" y="2496375"/>
             <a:ext cx="2557669" cy="830997"/>
           </a:xfrm>
           <a:prstGeom prst="rect">
@@ -3680,19 +3993,20 @@
           </a:bodyPr>
           <a:lstStyle/>
           <a:p>
+            <a:pPr algn="ctr"/>
             <a:r>
               <a:rPr lang="pt-BR" sz="1600" dirty="0"/>
-              <a:t>Só leva o veículo a manutenção quando está quebrado (em último caso).</a:t>
-            </a:r>
-          </a:p>
-        </p:txBody>
-      </p:sp>
-      <p:sp>
-        <p:nvSpPr>
-          <p:cNvPr id="9" name="CaixaDeTexto 8">
-            <a:extLst>
-              <a:ext uri="{FF2B5EF4-FFF2-40B4-BE49-F238E27FC236}">
-                <a16:creationId xmlns:a16="http://schemas.microsoft.com/office/drawing/2014/main" id="{AE2FA39E-6907-4FA4-B177-3D32EE5FAC46}"/>
+              <a:t>Busca se atualizar com as novidades do mercado para atrair novos clientes</a:t>
+            </a:r>
+          </a:p>
+        </p:txBody>
+      </p:sp>
+      <p:sp>
+        <p:nvSpPr>
+          <p:cNvPr id="18" name="CaixaDeTexto 17">
+            <a:extLst>
+              <a:ext uri="{FF2B5EF4-FFF2-40B4-BE49-F238E27FC236}">
+                <a16:creationId xmlns:a16="http://schemas.microsoft.com/office/drawing/2014/main" id="{DBC2E4D6-24CE-4CD7-9C38-3EEEE18B1115}"/>
               </a:ext>
             </a:extLst>
           </p:cNvPr>
@@ -3701,8 +4015,8 @@
         </p:nvSpPr>
         <p:spPr>
           <a:xfrm>
-            <a:off x="7946283" y="2592481"/>
-            <a:ext cx="2557669" cy="830997"/>
+            <a:off x="3653468" y="4143038"/>
+            <a:ext cx="2090760" cy="830997"/>
           </a:xfrm>
           <a:prstGeom prst="rect">
             <a:avLst/>
@@ -3715,289 +4029,11 @@
           </a:bodyPr>
           <a:lstStyle/>
           <a:p>
+            <a:pPr algn="ctr"/>
             <a:r>
               <a:rPr lang="pt-BR" sz="1600" dirty="0"/>
-              <a:t>Procura bom atendimento, preço justo e qualidade no serviço.</a:t>
-            </a:r>
-          </a:p>
-        </p:txBody>
-      </p:sp>
-      <p:sp>
-        <p:nvSpPr>
-          <p:cNvPr id="10" name="CaixaDeTexto 9">
-            <a:extLst>
-              <a:ext uri="{FF2B5EF4-FFF2-40B4-BE49-F238E27FC236}">
-                <a16:creationId xmlns:a16="http://schemas.microsoft.com/office/drawing/2014/main" id="{8080F81F-5204-4E23-BAF9-1B970784B718}"/>
-              </a:ext>
-            </a:extLst>
-          </p:cNvPr>
-          <p:cNvSpPr txBox="1"/>
-          <p:nvPr/>
-        </p:nvSpPr>
-        <p:spPr>
-          <a:xfrm>
-            <a:off x="1782394" y="2598003"/>
-            <a:ext cx="2146853" cy="830997"/>
-          </a:xfrm>
-          <a:prstGeom prst="rect">
-            <a:avLst/>
-          </a:prstGeom>
-          <a:noFill/>
-        </p:spPr>
-        <p:txBody>
-          <a:bodyPr wrap="square" rtlCol="0">
-            <a:spAutoFit/>
-          </a:bodyPr>
-          <a:lstStyle/>
-          <a:p>
-            <a:r>
-              <a:rPr lang="pt-BR" sz="1600" dirty="0"/>
-              <a:t>Busca por atendimento através de indicação de parentes.</a:t>
-            </a:r>
-          </a:p>
-        </p:txBody>
-      </p:sp>
-      <p:sp>
-        <p:nvSpPr>
-          <p:cNvPr id="11" name="CaixaDeTexto 10">
-            <a:extLst>
-              <a:ext uri="{FF2B5EF4-FFF2-40B4-BE49-F238E27FC236}">
-                <a16:creationId xmlns:a16="http://schemas.microsoft.com/office/drawing/2014/main" id="{4F551C60-8542-4424-9AE1-877B264CECBD}"/>
-              </a:ext>
-            </a:extLst>
-          </p:cNvPr>
-          <p:cNvSpPr txBox="1"/>
-          <p:nvPr/>
-        </p:nvSpPr>
-        <p:spPr>
-          <a:xfrm>
-            <a:off x="6076147" y="4292668"/>
-            <a:ext cx="2557669" cy="830997"/>
-          </a:xfrm>
-          <a:prstGeom prst="rect">
-            <a:avLst/>
-          </a:prstGeom>
-          <a:noFill/>
-        </p:spPr>
-        <p:txBody>
-          <a:bodyPr wrap="square" rtlCol="0">
-            <a:spAutoFit/>
-          </a:bodyPr>
-          <a:lstStyle/>
-          <a:p>
-            <a:r>
-              <a:rPr lang="pt-BR" sz="1600" dirty="0"/>
-              <a:t>Prioriza a escolha da oficina por qualidade, preço e localização.</a:t>
-            </a:r>
-          </a:p>
-        </p:txBody>
-      </p:sp>
-      <p:sp>
-        <p:nvSpPr>
-          <p:cNvPr id="12" name="CaixaDeTexto 11">
-            <a:extLst>
-              <a:ext uri="{FF2B5EF4-FFF2-40B4-BE49-F238E27FC236}">
-                <a16:creationId xmlns:a16="http://schemas.microsoft.com/office/drawing/2014/main" id="{B318CD13-6D40-4BAC-861D-480B0F5A5E19}"/>
-              </a:ext>
-            </a:extLst>
-          </p:cNvPr>
-          <p:cNvSpPr txBox="1"/>
-          <p:nvPr/>
-        </p:nvSpPr>
-        <p:spPr>
-          <a:xfrm>
-            <a:off x="4666369" y="926308"/>
-            <a:ext cx="2557669" cy="584775"/>
-          </a:xfrm>
-          <a:prstGeom prst="rect">
-            <a:avLst/>
-          </a:prstGeom>
-          <a:noFill/>
-        </p:spPr>
-        <p:txBody>
-          <a:bodyPr wrap="square" rtlCol="0">
-            <a:spAutoFit/>
-          </a:bodyPr>
-          <a:lstStyle/>
-          <a:p>
-            <a:r>
-              <a:rPr lang="pt-BR" sz="1600" dirty="0"/>
-              <a:t>Sente confiança ao deixar o veículo na mão do mecânico</a:t>
-            </a:r>
-          </a:p>
-        </p:txBody>
-      </p:sp>
-      <p:sp>
-        <p:nvSpPr>
-          <p:cNvPr id="13" name="CaixaDeTexto 12">
-            <a:extLst>
-              <a:ext uri="{FF2B5EF4-FFF2-40B4-BE49-F238E27FC236}">
-                <a16:creationId xmlns:a16="http://schemas.microsoft.com/office/drawing/2014/main" id="{3D297504-01FC-45A5-89ED-340DA812BB72}"/>
-              </a:ext>
-            </a:extLst>
-          </p:cNvPr>
-          <p:cNvSpPr txBox="1"/>
-          <p:nvPr/>
-        </p:nvSpPr>
-        <p:spPr>
-          <a:xfrm>
-            <a:off x="6281507" y="5644947"/>
-            <a:ext cx="4678041" cy="830997"/>
-          </a:xfrm>
-          <a:prstGeom prst="rect">
-            <a:avLst/>
-          </a:prstGeom>
-          <a:noFill/>
-        </p:spPr>
-        <p:txBody>
-          <a:bodyPr wrap="square" rtlCol="0">
-            <a:spAutoFit/>
-          </a:bodyPr>
-          <a:lstStyle/>
-          <a:p>
-            <a:pPr marL="285750" indent="-285750">
-              <a:buFont typeface="Arial" panose="020B0604020202020204" pitchFamily="34" charset="0"/>
-              <a:buChar char="•"/>
-            </a:pPr>
-            <a:r>
-              <a:rPr lang="pt-BR" sz="1600" dirty="0"/>
-              <a:t>Encontrar uma oficina de confiança e qualidade;</a:t>
-            </a:r>
-          </a:p>
-          <a:p>
-            <a:pPr marL="285750" indent="-285750">
-              <a:buFont typeface="Arial" panose="020B0604020202020204" pitchFamily="34" charset="0"/>
-              <a:buChar char="•"/>
-            </a:pPr>
-            <a:r>
-              <a:rPr lang="pt-BR" sz="1600" dirty="0"/>
-              <a:t>Mão de obra e peças a preço justo;</a:t>
-            </a:r>
-          </a:p>
-          <a:p>
-            <a:pPr marL="285750" indent="-285750">
-              <a:buFont typeface="Arial" panose="020B0604020202020204" pitchFamily="34" charset="0"/>
-              <a:buChar char="•"/>
-            </a:pPr>
-            <a:r>
-              <a:rPr lang="pt-BR" sz="1600" dirty="0"/>
-              <a:t>Formas mais rápidas de se encontrar uma oficina</a:t>
-            </a:r>
-          </a:p>
-        </p:txBody>
-      </p:sp>
-      <p:sp>
-        <p:nvSpPr>
-          <p:cNvPr id="15" name="CaixaDeTexto 14">
-            <a:extLst>
-              <a:ext uri="{FF2B5EF4-FFF2-40B4-BE49-F238E27FC236}">
-                <a16:creationId xmlns:a16="http://schemas.microsoft.com/office/drawing/2014/main" id="{00A8FDA6-0669-4DDB-856B-407D23B9DB4F}"/>
-              </a:ext>
-            </a:extLst>
-          </p:cNvPr>
-          <p:cNvSpPr txBox="1"/>
-          <p:nvPr/>
-        </p:nvSpPr>
-        <p:spPr>
-          <a:xfrm>
-            <a:off x="927652" y="5476178"/>
-            <a:ext cx="2557669" cy="830997"/>
-          </a:xfrm>
-          <a:prstGeom prst="rect">
-            <a:avLst/>
-          </a:prstGeom>
-          <a:noFill/>
-        </p:spPr>
-        <p:txBody>
-          <a:bodyPr wrap="square" rtlCol="0">
-            <a:spAutoFit/>
-          </a:bodyPr>
-          <a:lstStyle/>
-          <a:p>
-            <a:pPr marL="285750" indent="-285750">
-              <a:buFont typeface="Arial" panose="020B0604020202020204" pitchFamily="34" charset="0"/>
-              <a:buChar char="•"/>
-            </a:pPr>
-            <a:r>
-              <a:rPr lang="pt-BR" sz="1600" dirty="0"/>
-              <a:t>Serviço sem qualidade</a:t>
-            </a:r>
-          </a:p>
-          <a:p>
-            <a:pPr marL="285750" indent="-285750">
-              <a:buFont typeface="Arial" panose="020B0604020202020204" pitchFamily="34" charset="0"/>
-              <a:buChar char="•"/>
-            </a:pPr>
-            <a:r>
-              <a:rPr lang="pt-BR" sz="1600" dirty="0"/>
-              <a:t>Preço abusivo</a:t>
-            </a:r>
-          </a:p>
-          <a:p>
-            <a:pPr marL="285750" indent="-285750">
-              <a:buFont typeface="Arial" panose="020B0604020202020204" pitchFamily="34" charset="0"/>
-              <a:buChar char="•"/>
-            </a:pPr>
-            <a:r>
-              <a:rPr lang="pt-BR" sz="1600" dirty="0"/>
-              <a:t>Péssimo atendimento</a:t>
-            </a:r>
-          </a:p>
-        </p:txBody>
-      </p:sp>
-      <p:sp>
-        <p:nvSpPr>
-          <p:cNvPr id="16" name="CaixaDeTexto 15">
-            <a:extLst>
-              <a:ext uri="{FF2B5EF4-FFF2-40B4-BE49-F238E27FC236}">
-                <a16:creationId xmlns:a16="http://schemas.microsoft.com/office/drawing/2014/main" id="{A29F37E7-2A5A-4DF9-9F86-D40C53907D00}"/>
-              </a:ext>
-            </a:extLst>
-          </p:cNvPr>
-          <p:cNvSpPr txBox="1"/>
-          <p:nvPr/>
-        </p:nvSpPr>
-        <p:spPr>
-          <a:xfrm>
-            <a:off x="3266637" y="5482738"/>
-            <a:ext cx="2638786" cy="1323439"/>
-          </a:xfrm>
-          <a:prstGeom prst="rect">
-            <a:avLst/>
-          </a:prstGeom>
-          <a:noFill/>
-        </p:spPr>
-        <p:txBody>
-          <a:bodyPr wrap="square" rtlCol="0">
-            <a:spAutoFit/>
-          </a:bodyPr>
-          <a:lstStyle/>
-          <a:p>
-            <a:pPr marL="285750" indent="-285750">
-              <a:buFont typeface="Arial" panose="020B0604020202020204" pitchFamily="34" charset="0"/>
-              <a:buChar char="•"/>
-            </a:pPr>
-            <a:r>
-              <a:rPr lang="pt-BR" sz="1600" dirty="0"/>
-              <a:t>Difícil acesso a oficinas de qualidade</a:t>
-            </a:r>
-          </a:p>
-          <a:p>
-            <a:pPr marL="285750" indent="-285750">
-              <a:buFont typeface="Arial" panose="020B0604020202020204" pitchFamily="34" charset="0"/>
-              <a:buChar char="•"/>
-            </a:pPr>
-            <a:r>
-              <a:rPr lang="pt-BR" sz="1600" dirty="0"/>
-              <a:t>Falta de assertividade nos orçamentos solicitados</a:t>
-            </a:r>
-          </a:p>
-          <a:p>
-            <a:pPr marL="285750" indent="-285750">
-              <a:buFont typeface="Arial" panose="020B0604020202020204" pitchFamily="34" charset="0"/>
-              <a:buChar char="•"/>
-            </a:pPr>
-            <a:endParaRPr lang="pt-BR" sz="1600" dirty="0"/>
+              <a:t>Fala a respeito da falta de divulgação e de gestão da oficina</a:t>
+            </a:r>
           </a:p>
         </p:txBody>
       </p:sp>

--- a/Documentação/Mapa de Empatia/Mapa de Empatia.pptx
+++ b/Documentação/Mapa de Empatia/Mapa de Empatia.pptx
@@ -125,12 +125,12 @@
   <pc:docChgLst>
     <pc:chgData name="Vinicius Cano" userId="e988c080-1d50-4980-86fe-45a1167ad471" providerId="ADAL" clId="{3924A158-005E-4B0E-932C-34C562BF42AC}"/>
     <pc:docChg chg="undo custSel addSld delSld modSld">
-      <pc:chgData name="Vinicius Cano" userId="e988c080-1d50-4980-86fe-45a1167ad471" providerId="ADAL" clId="{3924A158-005E-4B0E-932C-34C562BF42AC}" dt="2021-09-01T20:53:26.911" v="1142" actId="20577"/>
+      <pc:chgData name="Vinicius Cano" userId="e988c080-1d50-4980-86fe-45a1167ad471" providerId="ADAL" clId="{3924A158-005E-4B0E-932C-34C562BF42AC}" dt="2021-09-02T20:11:32.109" v="1451" actId="20577"/>
       <pc:docMkLst>
         <pc:docMk/>
       </pc:docMkLst>
       <pc:sldChg chg="addSp delSp modSp mod">
-        <pc:chgData name="Vinicius Cano" userId="e988c080-1d50-4980-86fe-45a1167ad471" providerId="ADAL" clId="{3924A158-005E-4B0E-932C-34C562BF42AC}" dt="2021-09-01T20:53:26.911" v="1142" actId="20577"/>
+        <pc:chgData name="Vinicius Cano" userId="e988c080-1d50-4980-86fe-45a1167ad471" providerId="ADAL" clId="{3924A158-005E-4B0E-932C-34C562BF42AC}" dt="2021-09-02T20:11:32.109" v="1451" actId="20577"/>
         <pc:sldMkLst>
           <pc:docMk/>
           <pc:sldMk cId="3552791640" sldId="256"/>
@@ -168,7 +168,7 @@
           </ac:spMkLst>
         </pc:spChg>
         <pc:spChg chg="mod">
-          <ac:chgData name="Vinicius Cano" userId="e988c080-1d50-4980-86fe-45a1167ad471" providerId="ADAL" clId="{3924A158-005E-4B0E-932C-34C562BF42AC}" dt="2021-08-31T19:42:43.521" v="1070" actId="1076"/>
+          <ac:chgData name="Vinicius Cano" userId="e988c080-1d50-4980-86fe-45a1167ad471" providerId="ADAL" clId="{3924A158-005E-4B0E-932C-34C562BF42AC}" dt="2021-09-02T20:10:43.765" v="1386" actId="20577"/>
           <ac:spMkLst>
             <pc:docMk/>
             <pc:sldMk cId="3552791640" sldId="256"/>
@@ -184,7 +184,7 @@
           </ac:spMkLst>
         </pc:spChg>
         <pc:spChg chg="mod">
-          <ac:chgData name="Vinicius Cano" userId="e988c080-1d50-4980-86fe-45a1167ad471" providerId="ADAL" clId="{3924A158-005E-4B0E-932C-34C562BF42AC}" dt="2021-08-31T19:12:35.680" v="634" actId="1076"/>
+          <ac:chgData name="Vinicius Cano" userId="e988c080-1d50-4980-86fe-45a1167ad471" providerId="ADAL" clId="{3924A158-005E-4B0E-932C-34C562BF42AC}" dt="2021-09-02T20:09:38.301" v="1290" actId="1076"/>
           <ac:spMkLst>
             <pc:docMk/>
             <pc:sldMk cId="3552791640" sldId="256"/>
@@ -208,7 +208,7 @@
           </ac:spMkLst>
         </pc:spChg>
         <pc:spChg chg="add mod">
-          <ac:chgData name="Vinicius Cano" userId="e988c080-1d50-4980-86fe-45a1167ad471" providerId="ADAL" clId="{3924A158-005E-4B0E-932C-34C562BF42AC}" dt="2021-08-31T19:13:02.591" v="720" actId="14100"/>
+          <ac:chgData name="Vinicius Cano" userId="e988c080-1d50-4980-86fe-45a1167ad471" providerId="ADAL" clId="{3924A158-005E-4B0E-932C-34C562BF42AC}" dt="2021-09-02T20:10:54.616" v="1387" actId="20577"/>
           <ac:spMkLst>
             <pc:docMk/>
             <pc:sldMk cId="3552791640" sldId="256"/>
@@ -232,7 +232,7 @@
           </ac:spMkLst>
         </pc:spChg>
         <pc:spChg chg="add mod">
-          <ac:chgData name="Vinicius Cano" userId="e988c080-1d50-4980-86fe-45a1167ad471" providerId="ADAL" clId="{3924A158-005E-4B0E-932C-34C562BF42AC}" dt="2021-08-31T19:16:38.537" v="857" actId="20577"/>
+          <ac:chgData name="Vinicius Cano" userId="e988c080-1d50-4980-86fe-45a1167ad471" providerId="ADAL" clId="{3924A158-005E-4B0E-932C-34C562BF42AC}" dt="2021-09-02T20:11:32.109" v="1451" actId="20577"/>
           <ac:spMkLst>
             <pc:docMk/>
             <pc:sldMk cId="3552791640" sldId="256"/>
@@ -525,7 +525,7 @@
           <a:p>
             <a:fld id="{0BAF0C6A-FF00-4A5D-9105-A640A0124CF7}" type="datetimeFigureOut">
               <a:rPr lang="pt-BR" smtClean="0"/>
-              <a:t>01/09/2021</a:t>
+              <a:t>02/09/2021</a:t>
             </a:fld>
             <a:endParaRPr lang="pt-BR"/>
           </a:p>
@@ -723,7 +723,7 @@
           <a:p>
             <a:fld id="{0BAF0C6A-FF00-4A5D-9105-A640A0124CF7}" type="datetimeFigureOut">
               <a:rPr lang="pt-BR" smtClean="0"/>
-              <a:t>01/09/2021</a:t>
+              <a:t>02/09/2021</a:t>
             </a:fld>
             <a:endParaRPr lang="pt-BR"/>
           </a:p>
@@ -931,7 +931,7 @@
           <a:p>
             <a:fld id="{0BAF0C6A-FF00-4A5D-9105-A640A0124CF7}" type="datetimeFigureOut">
               <a:rPr lang="pt-BR" smtClean="0"/>
-              <a:t>01/09/2021</a:t>
+              <a:t>02/09/2021</a:t>
             </a:fld>
             <a:endParaRPr lang="pt-BR"/>
           </a:p>
@@ -1129,7 +1129,7 @@
           <a:p>
             <a:fld id="{0BAF0C6A-FF00-4A5D-9105-A640A0124CF7}" type="datetimeFigureOut">
               <a:rPr lang="pt-BR" smtClean="0"/>
-              <a:t>01/09/2021</a:t>
+              <a:t>02/09/2021</a:t>
             </a:fld>
             <a:endParaRPr lang="pt-BR"/>
           </a:p>
@@ -1404,7 +1404,7 @@
           <a:p>
             <a:fld id="{0BAF0C6A-FF00-4A5D-9105-A640A0124CF7}" type="datetimeFigureOut">
               <a:rPr lang="pt-BR" smtClean="0"/>
-              <a:t>01/09/2021</a:t>
+              <a:t>02/09/2021</a:t>
             </a:fld>
             <a:endParaRPr lang="pt-BR"/>
           </a:p>
@@ -1669,7 +1669,7 @@
           <a:p>
             <a:fld id="{0BAF0C6A-FF00-4A5D-9105-A640A0124CF7}" type="datetimeFigureOut">
               <a:rPr lang="pt-BR" smtClean="0"/>
-              <a:t>01/09/2021</a:t>
+              <a:t>02/09/2021</a:t>
             </a:fld>
             <a:endParaRPr lang="pt-BR"/>
           </a:p>
@@ -2081,7 +2081,7 @@
           <a:p>
             <a:fld id="{0BAF0C6A-FF00-4A5D-9105-A640A0124CF7}" type="datetimeFigureOut">
               <a:rPr lang="pt-BR" smtClean="0"/>
-              <a:t>01/09/2021</a:t>
+              <a:t>02/09/2021</a:t>
             </a:fld>
             <a:endParaRPr lang="pt-BR"/>
           </a:p>
@@ -2222,7 +2222,7 @@
           <a:p>
             <a:fld id="{0BAF0C6A-FF00-4A5D-9105-A640A0124CF7}" type="datetimeFigureOut">
               <a:rPr lang="pt-BR" smtClean="0"/>
-              <a:t>01/09/2021</a:t>
+              <a:t>02/09/2021</a:t>
             </a:fld>
             <a:endParaRPr lang="pt-BR"/>
           </a:p>
@@ -2335,7 +2335,7 @@
           <a:p>
             <a:fld id="{0BAF0C6A-FF00-4A5D-9105-A640A0124CF7}" type="datetimeFigureOut">
               <a:rPr lang="pt-BR" smtClean="0"/>
-              <a:t>01/09/2021</a:t>
+              <a:t>02/09/2021</a:t>
             </a:fld>
             <a:endParaRPr lang="pt-BR"/>
           </a:p>
@@ -2646,7 +2646,7 @@
           <a:p>
             <a:fld id="{0BAF0C6A-FF00-4A5D-9105-A640A0124CF7}" type="datetimeFigureOut">
               <a:rPr lang="pt-BR" smtClean="0"/>
-              <a:t>01/09/2021</a:t>
+              <a:t>02/09/2021</a:t>
             </a:fld>
             <a:endParaRPr lang="pt-BR"/>
           </a:p>
@@ -2934,7 +2934,7 @@
           <a:p>
             <a:fld id="{0BAF0C6A-FF00-4A5D-9105-A640A0124CF7}" type="datetimeFigureOut">
               <a:rPr lang="pt-BR" smtClean="0"/>
-              <a:t>01/09/2021</a:t>
+              <a:t>02/09/2021</a:t>
             </a:fld>
             <a:endParaRPr lang="pt-BR"/>
           </a:p>
@@ -3175,7 +3175,7 @@
           <a:p>
             <a:fld id="{0BAF0C6A-FF00-4A5D-9105-A640A0124CF7}" type="datetimeFigureOut">
               <a:rPr lang="pt-BR" smtClean="0"/>
-              <a:t>01/09/2021</a:t>
+              <a:t>02/09/2021</a:t>
             </a:fld>
             <a:endParaRPr lang="pt-BR"/>
           </a:p>
@@ -3748,8 +3748,8 @@
         </p:nvSpPr>
         <p:spPr>
           <a:xfrm>
-            <a:off x="8136082" y="2619485"/>
-            <a:ext cx="2274011" cy="584775"/>
+            <a:off x="8097982" y="2598003"/>
+            <a:ext cx="2274011" cy="830997"/>
           </a:xfrm>
           <a:prstGeom prst="rect">
             <a:avLst/>
@@ -3765,7 +3765,7 @@
             <a:pPr algn="ctr"/>
             <a:r>
               <a:rPr lang="pt-BR" sz="1600" dirty="0"/>
-              <a:t>Agilidade e qualidade no atendimento aos clientes</a:t>
+              <a:t>Falta de qualidade na gestão e no fluxo de dinheiro da oficina</a:t>
             </a:r>
           </a:p>
         </p:txBody>
@@ -3784,7 +3784,7 @@
         </p:nvSpPr>
         <p:spPr>
           <a:xfrm>
-            <a:off x="3500092" y="836348"/>
+            <a:off x="5744228" y="674423"/>
             <a:ext cx="2090760" cy="830997"/>
           </a:xfrm>
           <a:prstGeom prst="rect">
@@ -3801,7 +3801,7 @@
             <a:pPr algn="ctr"/>
             <a:r>
               <a:rPr lang="pt-BR" sz="1600" dirty="0"/>
-              <a:t>Certos clientes confiam e outros não em seus atendimentos</a:t>
+              <a:t>Sente que não tem um retorno financeiro que gostaria</a:t>
             </a:r>
           </a:p>
         </p:txBody>
@@ -3943,7 +3943,7 @@
         </p:nvSpPr>
         <p:spPr>
           <a:xfrm>
-            <a:off x="5782628" y="807463"/>
+            <a:off x="3252193" y="714913"/>
             <a:ext cx="2353454" cy="830997"/>
           </a:xfrm>
           <a:prstGeom prst="rect">
@@ -3960,7 +3960,7 @@
             <a:pPr algn="ctr"/>
             <a:r>
               <a:rPr lang="pt-BR" sz="1600" dirty="0"/>
-              <a:t>Sente que seu trabalho não está sendo executado como gostaria</a:t>
+              <a:t>Pensa que trabalha muito e não recebe o devido retorno financeiro</a:t>
             </a:r>
           </a:p>
         </p:txBody>
@@ -3980,7 +3980,7 @@
         <p:spPr>
           <a:xfrm>
             <a:off x="1371578" y="2496375"/>
-            <a:ext cx="2557669" cy="830997"/>
+            <a:ext cx="2557669" cy="1323439"/>
           </a:xfrm>
           <a:prstGeom prst="rect">
             <a:avLst/>
@@ -3996,7 +3996,7 @@
             <a:pPr algn="ctr"/>
             <a:r>
               <a:rPr lang="pt-BR" sz="1600" dirty="0"/>
-              <a:t>Busca se atualizar com as novidades do mercado para atrair novos clientes</a:t>
+              <a:t>Busca se atualizar com as novidades do mercado para atrair novos clientes e para melhorar a gestão do seu dinheiro</a:t>
             </a:r>
           </a:p>
         </p:txBody>
